--- a/BCTT2-Nguyễn Bình Phương Anh.pptx
+++ b/BCTT2-Nguyễn Bình Phương Anh.pptx
@@ -5,7 +5,7 @@
     <p:sldMasterId id="2147483648" r:id="rId1"/>
   </p:sldMasterIdLst>
   <p:notesMasterIdLst>
-    <p:notesMasterId r:id="rId23"/>
+    <p:notesMasterId r:id="rId24"/>
   </p:notesMasterIdLst>
   <p:sldIdLst>
     <p:sldId id="256" r:id="rId2"/>
@@ -26,9 +26,10 @@
     <p:sldId id="272" r:id="rId17"/>
     <p:sldId id="271" r:id="rId18"/>
     <p:sldId id="278" r:id="rId19"/>
-    <p:sldId id="273" r:id="rId20"/>
-    <p:sldId id="274" r:id="rId21"/>
-    <p:sldId id="275" r:id="rId22"/>
+    <p:sldId id="280" r:id="rId20"/>
+    <p:sldId id="273" r:id="rId21"/>
+    <p:sldId id="274" r:id="rId22"/>
+    <p:sldId id="275" r:id="rId23"/>
   </p:sldIdLst>
   <p:sldSz cx="12192000" cy="6858000"/>
   <p:notesSz cx="6858000" cy="9144000"/>
@@ -217,7 +218,7 @@
           <a:p>
             <a:fld id="{6CD66892-710A-4F79-92CB-D695AE78A1DE}" type="datetimeFigureOut">
               <a:rPr lang="en-US" smtClean="0"/>
-              <a:t>1/9/2021</a:t>
+              <a:t>4/7/2021</a:t>
             </a:fld>
             <a:endParaRPr lang="en-US"/>
           </a:p>
@@ -1316,7 +1317,7 @@
           <a:p>
             <a:fld id="{D032CC9D-17D0-4C33-8478-A5482E27E608}" type="slidenum">
               <a:rPr lang="en-US" smtClean="0"/>
-              <a:t>21</a:t>
+              <a:t>22</a:t>
             </a:fld>
             <a:endParaRPr lang="en-US"/>
           </a:p>
@@ -1504,7 +1505,7 @@
           <a:p>
             <a:fld id="{0E595D13-55F9-487F-A69C-41D5CC0E9EB1}" type="datetime1">
               <a:rPr lang="en-US" smtClean="0"/>
-              <a:t>1/9/2021</a:t>
+              <a:t>4/7/2021</a:t>
             </a:fld>
             <a:endParaRPr lang="en-US" dirty="0"/>
           </a:p>
@@ -1846,7 +1847,7 @@
           <a:p>
             <a:fld id="{0E6DE337-8C26-4DE6-B895-599E4FEF0C54}" type="datetime1">
               <a:rPr lang="en-US" smtClean="0"/>
-              <a:t>1/9/2021</a:t>
+              <a:t>4/7/2021</a:t>
             </a:fld>
             <a:endParaRPr lang="en-US" dirty="0"/>
           </a:p>
@@ -2037,7 +2038,7 @@
           <a:p>
             <a:fld id="{0281D862-F7D7-4383-A82C-31B5764F01CE}" type="datetime1">
               <a:rPr lang="en-US" smtClean="0"/>
-              <a:t>1/9/2021</a:t>
+              <a:t>4/7/2021</a:t>
             </a:fld>
             <a:endParaRPr lang="en-US" dirty="0"/>
           </a:p>
@@ -2218,7 +2219,7 @@
           <a:p>
             <a:fld id="{2F3F00CD-ECDA-4A1E-A45D-7D97DD615106}" type="datetime1">
               <a:rPr lang="en-US" smtClean="0"/>
-              <a:t>1/9/2021</a:t>
+              <a:t>4/7/2021</a:t>
             </a:fld>
             <a:endParaRPr lang="en-US" dirty="0"/>
           </a:p>
@@ -2506,7 +2507,7 @@
           <a:p>
             <a:fld id="{11D16AAD-AFCD-44F7-8566-1F3894E30CEB}" type="datetime1">
               <a:rPr lang="en-US" smtClean="0"/>
-              <a:t>1/9/2021</a:t>
+              <a:t>4/7/2021</a:t>
             </a:fld>
             <a:endParaRPr lang="en-US" dirty="0"/>
           </a:p>
@@ -2912,7 +2913,7 @@
           <a:p>
             <a:fld id="{BEEE0B19-5F6C-4D46-B1CF-BC731A731A76}" type="datetime1">
               <a:rPr lang="en-US" smtClean="0"/>
-              <a:t>1/9/2021</a:t>
+              <a:t>4/7/2021</a:t>
             </a:fld>
             <a:endParaRPr lang="en-US" dirty="0"/>
           </a:p>
@@ -3400,7 +3401,7 @@
           <a:p>
             <a:fld id="{55A5DCDA-2E48-4D54-BC99-49803DCCAD14}" type="datetime1">
               <a:rPr lang="en-US" smtClean="0"/>
-              <a:t>1/9/2021</a:t>
+              <a:t>4/7/2021</a:t>
             </a:fld>
             <a:endParaRPr lang="en-US" dirty="0"/>
           </a:p>
@@ -3529,7 +3530,7 @@
           <a:p>
             <a:fld id="{D262A6F5-8AA9-4BCB-AA11-E4F5F68309EE}" type="datetime1">
               <a:rPr lang="en-US" smtClean="0"/>
-              <a:t>1/9/2021</a:t>
+              <a:t>4/7/2021</a:t>
             </a:fld>
             <a:endParaRPr lang="en-US" dirty="0"/>
           </a:p>
@@ -3635,7 +3636,7 @@
           <a:p>
             <a:fld id="{9FD55A1C-23B1-49F1-BDC6-9A43248C4347}" type="datetime1">
               <a:rPr lang="en-US" smtClean="0"/>
-              <a:t>1/9/2021</a:t>
+              <a:t>4/7/2021</a:t>
             </a:fld>
             <a:endParaRPr lang="en-US" dirty="0"/>
           </a:p>
@@ -3992,7 +3993,7 @@
           <a:p>
             <a:fld id="{77BB5C72-981B-42E2-9C94-0ADB1A3E2310}" type="datetime1">
               <a:rPr lang="en-US" smtClean="0"/>
-              <a:t>1/9/2021</a:t>
+              <a:t>4/7/2021</a:t>
             </a:fld>
             <a:endParaRPr lang="en-US" dirty="0"/>
           </a:p>
@@ -4392,7 +4393,7 @@
           <a:p>
             <a:fld id="{C09F85E9-ADE0-440B-B31B-74E7FC3C0A33}" type="datetime1">
               <a:rPr lang="en-US" smtClean="0"/>
-              <a:t>1/9/2021</a:t>
+              <a:t>4/7/2021</a:t>
             </a:fld>
             <a:endParaRPr lang="en-US" dirty="0"/>
           </a:p>
@@ -4682,7 +4683,7 @@
           <a:p>
             <a:fld id="{0E8383F2-95F8-4E86-8AD4-9B758684C46B}" type="datetime1">
               <a:rPr lang="en-US" smtClean="0"/>
-              <a:t>1/9/2021</a:t>
+              <a:t>4/7/2021</a:t>
             </a:fld>
             <a:endParaRPr lang="en-US" dirty="0"/>
           </a:p>
@@ -5531,7 +5532,7 @@
           <p:cNvPr id="5" name="Picture 4">
             <a:extLst>
               <a:ext uri="{FF2B5EF4-FFF2-40B4-BE49-F238E27FC236}">
-                <a16:creationId xmlns="" xmlns:a16="http://schemas.microsoft.com/office/drawing/2014/main" id="{A48E3988-F4E9-456D-B4EE-2454F07234E9}"/>
+                <a16:creationId xmlns:a16="http://schemas.microsoft.com/office/drawing/2014/main" xmlns="" id="{A48E3988-F4E9-456D-B4EE-2454F07234E9}"/>
               </a:ext>
             </a:extLst>
           </p:cNvPr>
@@ -5702,7 +5703,7 @@
           <a:p>
             <a:fld id="{2F3F00CD-ECDA-4A1E-A45D-7D97DD615106}" type="datetime1">
               <a:rPr lang="en-US" smtClean="0"/>
-              <a:t>1/9/2021</a:t>
+              <a:t>4/7/2021</a:t>
             </a:fld>
             <a:endParaRPr lang="en-US" dirty="0"/>
           </a:p>
@@ -5963,7 +5964,7 @@
           <a:p>
             <a:fld id="{2F3F00CD-ECDA-4A1E-A45D-7D97DD615106}" type="datetime1">
               <a:rPr lang="en-US" smtClean="0"/>
-              <a:t>1/9/2021</a:t>
+              <a:t>4/7/2021</a:t>
             </a:fld>
             <a:endParaRPr lang="en-US" dirty="0"/>
           </a:p>
@@ -6146,7 +6147,7 @@
           <a:p>
             <a:fld id="{2F3F00CD-ECDA-4A1E-A45D-7D97DD615106}" type="datetime1">
               <a:rPr lang="en-US" smtClean="0"/>
-              <a:t>1/9/2021</a:t>
+              <a:t>4/7/2021</a:t>
             </a:fld>
             <a:endParaRPr lang="en-US" dirty="0"/>
           </a:p>
@@ -6413,7 +6414,7 @@
             <a:fld id="{2F3F00CD-ECDA-4A1E-A45D-7D97DD615106}" type="datetime1">
               <a:rPr lang="en-US" smtClean="0"/>
               <a:pPr/>
-              <a:t>1/9/2021</a:t>
+              <a:t>4/7/2021</a:t>
             </a:fld>
             <a:endParaRPr lang="en-US" dirty="0"/>
           </a:p>
@@ -7162,7 +7163,7 @@
           <a:p>
             <a:fld id="{55B80341-8853-435E-AB98-F7F58154AAD7}" type="datetime1">
               <a:rPr lang="en-US" smtClean="0"/>
-              <a:t>1/9/2021</a:t>
+              <a:t>4/7/2021</a:t>
             </a:fld>
             <a:endParaRPr lang="en-US" dirty="0"/>
           </a:p>
@@ -7541,7 +7542,7 @@
           <a:p>
             <a:fld id="{2BD484EA-6F8D-457C-8907-0787293A2DBF}" type="datetime1">
               <a:rPr lang="en-US" smtClean="0"/>
-              <a:t>1/9/2021</a:t>
+              <a:t>4/7/2021</a:t>
             </a:fld>
             <a:endParaRPr lang="en-US" dirty="0"/>
           </a:p>
@@ -8003,7 +8004,7 @@
           <a:p>
             <a:fld id="{E0F38263-404A-4DE5-B035-3B28FD7FF3C5}" type="datetime1">
               <a:rPr lang="en-US" smtClean="0"/>
-              <a:t>1/9/2021</a:t>
+              <a:t>4/7/2021</a:t>
             </a:fld>
             <a:endParaRPr lang="en-US" dirty="0"/>
           </a:p>
@@ -8465,7 +8466,7 @@
           <a:p>
             <a:fld id="{082208AB-3ED9-4F54-92B1-CEDF6FA26200}" type="datetime1">
               <a:rPr lang="en-US" smtClean="0"/>
-              <a:t>1/9/2021</a:t>
+              <a:t>4/7/2021</a:t>
             </a:fld>
             <a:endParaRPr lang="en-US" dirty="0"/>
           </a:p>
@@ -8909,7 +8910,7 @@
           <a:p>
             <a:fld id="{8B1C01F2-F0D2-4961-89B6-01CB42AC6D64}" type="datetime1">
               <a:rPr lang="en-US" smtClean="0"/>
-              <a:t>1/9/2021</a:t>
+              <a:t>4/7/2021</a:t>
             </a:fld>
             <a:endParaRPr lang="en-US" dirty="0"/>
           </a:p>
@@ -9092,7 +9093,7 @@
           <a:p>
             <a:fld id="{2F3F00CD-ECDA-4A1E-A45D-7D97DD615106}" type="datetime1">
               <a:rPr lang="en-US" smtClean="0"/>
-              <a:t>1/9/2021</a:t>
+              <a:t>4/7/2021</a:t>
             </a:fld>
             <a:endParaRPr lang="en-US" dirty="0"/>
           </a:p>
@@ -9532,7 +9533,7 @@
             <a:fld id="{8B1C01F2-F0D2-4961-89B6-01CB42AC6D64}" type="datetime1">
               <a:rPr lang="en-US" smtClean="0"/>
               <a:pPr/>
-              <a:t>1/9/2021</a:t>
+              <a:t>4/7/2021</a:t>
             </a:fld>
             <a:endParaRPr lang="en-US" dirty="0"/>
           </a:p>
@@ -9901,7 +9902,76 @@
       </p:grpSpPr>
       <p:sp>
         <p:nvSpPr>
-          <p:cNvPr id="2" name="Title 1"/>
+          <p:cNvPr id="4" name="Chỗ dành sẵn cho Ngày tháng 3"/>
+          <p:cNvSpPr>
+            <a:spLocks noGrp="1"/>
+          </p:cNvSpPr>
+          <p:nvPr>
+            <p:ph type="dt" sz="half" idx="10"/>
+          </p:nvPr>
+        </p:nvSpPr>
+        <p:spPr/>
+        <p:txBody>
+          <a:bodyPr/>
+          <a:lstStyle/>
+          <a:p>
+            <a:fld id="{2F3F00CD-ECDA-4A1E-A45D-7D97DD615106}" type="datetime1">
+              <a:rPr lang="en-US" smtClean="0"/>
+              <a:t>4/7/2021</a:t>
+            </a:fld>
+            <a:endParaRPr lang="en-US" dirty="0"/>
+          </a:p>
+        </p:txBody>
+      </p:sp>
+      <p:sp>
+        <p:nvSpPr>
+          <p:cNvPr id="5" name="Chỗ dành sẵn cho Chân trang 4"/>
+          <p:cNvSpPr>
+            <a:spLocks noGrp="1"/>
+          </p:cNvSpPr>
+          <p:nvPr>
+            <p:ph type="ftr" sz="quarter" idx="11"/>
+          </p:nvPr>
+        </p:nvSpPr>
+        <p:spPr/>
+        <p:txBody>
+          <a:bodyPr/>
+          <a:lstStyle/>
+          <a:p>
+            <a:r>
+              <a:rPr lang="en-US" smtClean="0"/>
+              <a:t>Khoa Công Nghệ Thông Tin Đại học Hải Phòng</a:t>
+            </a:r>
+            <a:endParaRPr lang="en-US" dirty="0"/>
+          </a:p>
+        </p:txBody>
+      </p:sp>
+      <p:sp>
+        <p:nvSpPr>
+          <p:cNvPr id="6" name="Chỗ dành sẵn cho Số hiệu Bản chiếu 5"/>
+          <p:cNvSpPr>
+            <a:spLocks noGrp="1"/>
+          </p:cNvSpPr>
+          <p:nvPr>
+            <p:ph type="sldNum" sz="quarter" idx="12"/>
+          </p:nvPr>
+        </p:nvSpPr>
+        <p:spPr/>
+        <p:txBody>
+          <a:bodyPr/>
+          <a:lstStyle/>
+          <a:p>
+            <a:fld id="{69E57DC2-970A-4B3E-BB1C-7A09969E49DF}" type="slidenum">
+              <a:rPr lang="en-US" smtClean="0"/>
+              <a:t>19</a:t>
+            </a:fld>
+            <a:endParaRPr lang="en-US" dirty="0"/>
+          </a:p>
+        </p:txBody>
+      </p:sp>
+      <p:sp>
+        <p:nvSpPr>
+          <p:cNvPr id="13" name="Title 1"/>
           <p:cNvSpPr>
             <a:spLocks noGrp="1"/>
           </p:cNvSpPr>
@@ -9930,7 +10000,7 @@
                 <a:latin typeface="Times New Roman" panose="02020603050405020304" pitchFamily="18" charset="0"/>
                 <a:cs typeface="Times New Roman" panose="02020603050405020304" pitchFamily="18" charset="0"/>
               </a:rPr>
-              <a:t>Kết luận</a:t>
+              <a:t>Thực nghiệm</a:t>
             </a:r>
             <a:endParaRPr lang="en-US"/>
           </a:p>
@@ -9938,7 +10008,7 @@
       </p:sp>
       <p:sp>
         <p:nvSpPr>
-          <p:cNvPr id="5" name="Content Placeholder 2"/>
+          <p:cNvPr id="14" name="Content Placeholder 2"/>
           <p:cNvSpPr txBox="1">
             <a:spLocks/>
           </p:cNvSpPr>
@@ -10149,259 +10219,473 @@
             </a:lvl9pPr>
           </a:lstStyle>
           <a:p>
-            <a:pPr marL="0" marR="0" lvl="0" indent="0" algn="just">
-              <a:lnSpc>
-                <a:spcPct val="150000"/>
-              </a:lnSpc>
-              <a:spcBef>
-                <a:spcPts val="0"/>
-              </a:spcBef>
-              <a:spcAft>
-                <a:spcPts val="0"/>
-              </a:spcAft>
+            <a:pPr marL="0" indent="0">
               <a:buNone/>
-              <a:tabLst>
-                <a:tab pos="595630" algn="l"/>
-              </a:tabLst>
             </a:pPr>
             <a:r>
-              <a:rPr lang="en-GB" sz="2400" b="1" smtClean="0">
-                <a:solidFill>
-                  <a:srgbClr val="000000"/>
-                </a:solidFill>
-                <a:latin typeface="Times New Roman" panose="02020603050405020304" pitchFamily="18" charset="0"/>
-                <a:ea typeface="Times New Roman" panose="02020603050405020304" pitchFamily="18" charset="0"/>
-                <a:cs typeface="Times New Roman" panose="02020603050405020304" pitchFamily="18" charset="0"/>
-              </a:rPr>
-              <a:t>Kết quả đạt được</a:t>
-            </a:r>
-          </a:p>
-          <a:p>
-            <a:pPr marL="342900" marR="0" lvl="0" indent="-342900" algn="just">
-              <a:lnSpc>
-                <a:spcPct val="150000"/>
-              </a:lnSpc>
-              <a:spcBef>
-                <a:spcPts val="0"/>
-              </a:spcBef>
-              <a:spcAft>
-                <a:spcPts val="0"/>
-              </a:spcAft>
-              <a:buFont typeface="Symbol" panose="05050102010706020507" pitchFamily="18" charset="2"/>
-              <a:buChar char=""/>
-              <a:tabLst>
-                <a:tab pos="595630" algn="l"/>
-              </a:tabLst>
-            </a:pPr>
-            <a:r>
-              <a:rPr lang="en-GB" sz="2400" smtClean="0">
-                <a:solidFill>
-                  <a:srgbClr val="000000"/>
-                </a:solidFill>
-                <a:latin typeface="Times New Roman" panose="02020603050405020304" pitchFamily="18" charset="0"/>
-                <a:ea typeface="Times New Roman" panose="02020603050405020304" pitchFamily="18" charset="0"/>
-                <a:cs typeface="Times New Roman" panose="02020603050405020304" pitchFamily="18" charset="0"/>
-              </a:rPr>
-              <a:t>Xây </a:t>
-            </a:r>
-            <a:r>
-              <a:rPr lang="en-GB" sz="2400">
-                <a:solidFill>
-                  <a:srgbClr val="000000"/>
-                </a:solidFill>
-                <a:latin typeface="Times New Roman" panose="02020603050405020304" pitchFamily="18" charset="0"/>
-                <a:ea typeface="Times New Roman" panose="02020603050405020304" pitchFamily="18" charset="0"/>
-                <a:cs typeface="Times New Roman" panose="02020603050405020304" pitchFamily="18" charset="0"/>
-              </a:rPr>
-              <a:t>dựng giao diện website thân thiện với người dùng</a:t>
-            </a:r>
-            <a:endParaRPr lang="en-US" sz="2400">
-              <a:latin typeface="Times New Roman" panose="02020603050405020304" pitchFamily="18" charset="0"/>
-              <a:ea typeface="Times New Roman" panose="02020603050405020304" pitchFamily="18" charset="0"/>
-              <a:cs typeface="Times New Roman" panose="02020603050405020304" pitchFamily="18" charset="0"/>
-            </a:endParaRPr>
-          </a:p>
-          <a:p>
-            <a:pPr marL="342900" marR="0" lvl="0" indent="-342900" algn="just">
-              <a:lnSpc>
-                <a:spcPct val="150000"/>
-              </a:lnSpc>
-              <a:spcBef>
-                <a:spcPts val="0"/>
-              </a:spcBef>
-              <a:spcAft>
-                <a:spcPts val="0"/>
-              </a:spcAft>
-              <a:buFont typeface="Symbol" panose="05050102010706020507" pitchFamily="18" charset="2"/>
-              <a:buChar char=""/>
-              <a:tabLst>
-                <a:tab pos="595630" algn="l"/>
-              </a:tabLst>
-            </a:pPr>
-            <a:r>
-              <a:rPr lang="en-GB" sz="2400">
-                <a:solidFill>
-                  <a:srgbClr val="000000"/>
-                </a:solidFill>
-                <a:latin typeface="Times New Roman" panose="02020603050405020304" pitchFamily="18" charset="0"/>
-                <a:ea typeface="Times New Roman" panose="02020603050405020304" pitchFamily="18" charset="0"/>
-                <a:cs typeface="Times New Roman" panose="02020603050405020304" pitchFamily="18" charset="0"/>
-              </a:rPr>
-              <a:t>Đăng nhập cho </a:t>
-            </a:r>
-            <a:r>
-              <a:rPr lang="en-US" sz="2400" smtClean="0">
-                <a:solidFill>
-                  <a:srgbClr val="000000"/>
-                </a:solidFill>
-                <a:latin typeface="Times New Roman" panose="02020603050405020304" pitchFamily="18" charset="0"/>
-                <a:ea typeface="Times New Roman" panose="02020603050405020304" pitchFamily="18" charset="0"/>
-                <a:cs typeface="Times New Roman" panose="02020603050405020304" pitchFamily="18" charset="0"/>
-              </a:rPr>
-              <a:t>quản trị viên, giáo viên, sinh viên</a:t>
-            </a:r>
-            <a:endParaRPr lang="en-US" sz="2400">
-              <a:latin typeface="Times New Roman" panose="02020603050405020304" pitchFamily="18" charset="0"/>
-              <a:ea typeface="Times New Roman" panose="02020603050405020304" pitchFamily="18" charset="0"/>
-              <a:cs typeface="Times New Roman" panose="02020603050405020304" pitchFamily="18" charset="0"/>
-            </a:endParaRPr>
-          </a:p>
-          <a:p>
-            <a:pPr algn="just">
-              <a:buFont typeface="Symbol" panose="05050102010706020507" pitchFamily="18" charset="2"/>
-              <a:buChar char=""/>
-            </a:pPr>
-            <a:r>
-              <a:rPr lang="en-GB" sz="2400">
+              <a:rPr lang="en-US" sz="2400">
                 <a:latin typeface="Times New Roman" panose="02020603050405020304" pitchFamily="18" charset="0"/>
                 <a:cs typeface="Times New Roman" panose="02020603050405020304" pitchFamily="18" charset="0"/>
               </a:rPr>
-              <a:t>Thực hiện các chức năng quản lý của quản trị viên như: quản lý sinh viên, quản lý giáo viên, quản lý ngành, môn …</a:t>
-            </a:r>
-            <a:endParaRPr lang="vi-VN" sz="2400">
+              <a:t>2</a:t>
+            </a:r>
+            <a:r>
+              <a:rPr lang="en-US" sz="2400" smtClean="0">
+                <a:latin typeface="Times New Roman" panose="02020603050405020304" pitchFamily="18" charset="0"/>
+                <a:cs typeface="Times New Roman" panose="02020603050405020304" pitchFamily="18" charset="0"/>
+              </a:rPr>
+              <a:t>. Hình ảnh demo</a:t>
+            </a:r>
+          </a:p>
+        </p:txBody>
+      </p:sp>
+      <p:sp>
+        <p:nvSpPr>
+          <p:cNvPr id="15" name="Date Placeholder 2"/>
+          <p:cNvSpPr txBox="1">
+            <a:spLocks/>
+          </p:cNvSpPr>
+          <p:nvPr/>
+        </p:nvSpPr>
+        <p:spPr>
+          <a:xfrm>
+            <a:off x="1390650" y="6453386"/>
+            <a:ext cx="1204572" cy="404614"/>
+          </a:xfrm>
+          <a:prstGeom prst="rect">
+            <a:avLst/>
+          </a:prstGeom>
+        </p:spPr>
+        <p:txBody>
+          <a:bodyPr vert="horz" lIns="91440" tIns="45720" rIns="91440" bIns="45720" rtlCol="0" anchor="ctr"/>
+          <a:lstStyle>
+            <a:defPPr>
+              <a:defRPr lang="en-US"/>
+            </a:defPPr>
+            <a:lvl1pPr marL="0" algn="l" defTabSz="457200" rtl="0" eaLnBrk="1" latinLnBrk="0" hangingPunct="1">
+              <a:defRPr sz="1200" kern="1200" baseline="0">
+                <a:solidFill>
+                  <a:schemeClr val="tx2"/>
+                </a:solidFill>
+                <a:latin typeface="+mn-lt"/>
+                <a:ea typeface="+mn-ea"/>
+                <a:cs typeface="+mn-cs"/>
+              </a:defRPr>
+            </a:lvl1pPr>
+            <a:lvl2pPr marL="457200" algn="l" defTabSz="457200" rtl="0" eaLnBrk="1" latinLnBrk="0" hangingPunct="1">
+              <a:defRPr sz="1800" kern="1200">
+                <a:solidFill>
+                  <a:schemeClr val="tx1"/>
+                </a:solidFill>
+                <a:latin typeface="+mn-lt"/>
+                <a:ea typeface="+mn-ea"/>
+                <a:cs typeface="+mn-cs"/>
+              </a:defRPr>
+            </a:lvl2pPr>
+            <a:lvl3pPr marL="914400" algn="l" defTabSz="457200" rtl="0" eaLnBrk="1" latinLnBrk="0" hangingPunct="1">
+              <a:defRPr sz="1800" kern="1200">
+                <a:solidFill>
+                  <a:schemeClr val="tx1"/>
+                </a:solidFill>
+                <a:latin typeface="+mn-lt"/>
+                <a:ea typeface="+mn-ea"/>
+                <a:cs typeface="+mn-cs"/>
+              </a:defRPr>
+            </a:lvl3pPr>
+            <a:lvl4pPr marL="1371600" algn="l" defTabSz="457200" rtl="0" eaLnBrk="1" latinLnBrk="0" hangingPunct="1">
+              <a:defRPr sz="1800" kern="1200">
+                <a:solidFill>
+                  <a:schemeClr val="tx1"/>
+                </a:solidFill>
+                <a:latin typeface="+mn-lt"/>
+                <a:ea typeface="+mn-ea"/>
+                <a:cs typeface="+mn-cs"/>
+              </a:defRPr>
+            </a:lvl4pPr>
+            <a:lvl5pPr marL="1828800" algn="l" defTabSz="457200" rtl="0" eaLnBrk="1" latinLnBrk="0" hangingPunct="1">
+              <a:defRPr sz="1800" kern="1200">
+                <a:solidFill>
+                  <a:schemeClr val="tx1"/>
+                </a:solidFill>
+                <a:latin typeface="+mn-lt"/>
+                <a:ea typeface="+mn-ea"/>
+                <a:cs typeface="+mn-cs"/>
+              </a:defRPr>
+            </a:lvl5pPr>
+            <a:lvl6pPr marL="2286000" algn="l" defTabSz="457200" rtl="0" eaLnBrk="1" latinLnBrk="0" hangingPunct="1">
+              <a:defRPr sz="1800" kern="1200">
+                <a:solidFill>
+                  <a:schemeClr val="tx1"/>
+                </a:solidFill>
+                <a:latin typeface="+mn-lt"/>
+                <a:ea typeface="+mn-ea"/>
+                <a:cs typeface="+mn-cs"/>
+              </a:defRPr>
+            </a:lvl6pPr>
+            <a:lvl7pPr marL="2743200" algn="l" defTabSz="457200" rtl="0" eaLnBrk="1" latinLnBrk="0" hangingPunct="1">
+              <a:defRPr sz="1800" kern="1200">
+                <a:solidFill>
+                  <a:schemeClr val="tx1"/>
+                </a:solidFill>
+                <a:latin typeface="+mn-lt"/>
+                <a:ea typeface="+mn-ea"/>
+                <a:cs typeface="+mn-cs"/>
+              </a:defRPr>
+            </a:lvl7pPr>
+            <a:lvl8pPr marL="3200400" algn="l" defTabSz="457200" rtl="0" eaLnBrk="1" latinLnBrk="0" hangingPunct="1">
+              <a:defRPr sz="1800" kern="1200">
+                <a:solidFill>
+                  <a:schemeClr val="tx1"/>
+                </a:solidFill>
+                <a:latin typeface="+mn-lt"/>
+                <a:ea typeface="+mn-ea"/>
+                <a:cs typeface="+mn-cs"/>
+              </a:defRPr>
+            </a:lvl8pPr>
+            <a:lvl9pPr marL="3657600" algn="l" defTabSz="457200" rtl="0" eaLnBrk="1" latinLnBrk="0" hangingPunct="1">
+              <a:defRPr sz="1800" kern="1200">
+                <a:solidFill>
+                  <a:schemeClr val="tx1"/>
+                </a:solidFill>
+                <a:latin typeface="+mn-lt"/>
+                <a:ea typeface="+mn-ea"/>
+                <a:cs typeface="+mn-cs"/>
+              </a:defRPr>
+            </a:lvl9pPr>
+          </a:lstStyle>
+          <a:p>
+            <a:fld id="{8B1C01F2-F0D2-4961-89B6-01CB42AC6D64}" type="datetime1">
+              <a:rPr lang="en-US" smtClean="0"/>
+              <a:pPr/>
+              <a:t>4/7/2021</a:t>
+            </a:fld>
+            <a:endParaRPr lang="en-US" dirty="0"/>
+          </a:p>
+        </p:txBody>
+      </p:sp>
+      <p:sp>
+        <p:nvSpPr>
+          <p:cNvPr id="16" name="Footer Placeholder 3"/>
+          <p:cNvSpPr txBox="1">
+            <a:spLocks/>
+          </p:cNvSpPr>
+          <p:nvPr/>
+        </p:nvSpPr>
+        <p:spPr>
+          <a:xfrm>
+            <a:off x="2893564" y="6453386"/>
+            <a:ext cx="6280830" cy="404614"/>
+          </a:xfrm>
+          <a:prstGeom prst="rect">
+            <a:avLst/>
+          </a:prstGeom>
+        </p:spPr>
+        <p:txBody>
+          <a:bodyPr vert="horz" lIns="91440" tIns="45720" rIns="91440" bIns="45720" rtlCol="0" anchor="ctr"/>
+          <a:lstStyle>
+            <a:defPPr>
+              <a:defRPr lang="en-US"/>
+            </a:defPPr>
+            <a:lvl1pPr marL="0" algn="l" defTabSz="457200" rtl="0" eaLnBrk="1" latinLnBrk="0" hangingPunct="1">
+              <a:defRPr sz="1200" kern="1200" baseline="0">
+                <a:solidFill>
+                  <a:schemeClr val="tx2"/>
+                </a:solidFill>
+                <a:latin typeface="+mn-lt"/>
+                <a:ea typeface="+mn-ea"/>
+                <a:cs typeface="+mn-cs"/>
+              </a:defRPr>
+            </a:lvl1pPr>
+            <a:lvl2pPr marL="457200" algn="l" defTabSz="457200" rtl="0" eaLnBrk="1" latinLnBrk="0" hangingPunct="1">
+              <a:defRPr sz="1800" kern="1200">
+                <a:solidFill>
+                  <a:schemeClr val="tx1"/>
+                </a:solidFill>
+                <a:latin typeface="+mn-lt"/>
+                <a:ea typeface="+mn-ea"/>
+                <a:cs typeface="+mn-cs"/>
+              </a:defRPr>
+            </a:lvl2pPr>
+            <a:lvl3pPr marL="914400" algn="l" defTabSz="457200" rtl="0" eaLnBrk="1" latinLnBrk="0" hangingPunct="1">
+              <a:defRPr sz="1800" kern="1200">
+                <a:solidFill>
+                  <a:schemeClr val="tx1"/>
+                </a:solidFill>
+                <a:latin typeface="+mn-lt"/>
+                <a:ea typeface="+mn-ea"/>
+                <a:cs typeface="+mn-cs"/>
+              </a:defRPr>
+            </a:lvl3pPr>
+            <a:lvl4pPr marL="1371600" algn="l" defTabSz="457200" rtl="0" eaLnBrk="1" latinLnBrk="0" hangingPunct="1">
+              <a:defRPr sz="1800" kern="1200">
+                <a:solidFill>
+                  <a:schemeClr val="tx1"/>
+                </a:solidFill>
+                <a:latin typeface="+mn-lt"/>
+                <a:ea typeface="+mn-ea"/>
+                <a:cs typeface="+mn-cs"/>
+              </a:defRPr>
+            </a:lvl4pPr>
+            <a:lvl5pPr marL="1828800" algn="l" defTabSz="457200" rtl="0" eaLnBrk="1" latinLnBrk="0" hangingPunct="1">
+              <a:defRPr sz="1800" kern="1200">
+                <a:solidFill>
+                  <a:schemeClr val="tx1"/>
+                </a:solidFill>
+                <a:latin typeface="+mn-lt"/>
+                <a:ea typeface="+mn-ea"/>
+                <a:cs typeface="+mn-cs"/>
+              </a:defRPr>
+            </a:lvl5pPr>
+            <a:lvl6pPr marL="2286000" algn="l" defTabSz="457200" rtl="0" eaLnBrk="1" latinLnBrk="0" hangingPunct="1">
+              <a:defRPr sz="1800" kern="1200">
+                <a:solidFill>
+                  <a:schemeClr val="tx1"/>
+                </a:solidFill>
+                <a:latin typeface="+mn-lt"/>
+                <a:ea typeface="+mn-ea"/>
+                <a:cs typeface="+mn-cs"/>
+              </a:defRPr>
+            </a:lvl6pPr>
+            <a:lvl7pPr marL="2743200" algn="l" defTabSz="457200" rtl="0" eaLnBrk="1" latinLnBrk="0" hangingPunct="1">
+              <a:defRPr sz="1800" kern="1200">
+                <a:solidFill>
+                  <a:schemeClr val="tx1"/>
+                </a:solidFill>
+                <a:latin typeface="+mn-lt"/>
+                <a:ea typeface="+mn-ea"/>
+                <a:cs typeface="+mn-cs"/>
+              </a:defRPr>
+            </a:lvl7pPr>
+            <a:lvl8pPr marL="3200400" algn="l" defTabSz="457200" rtl="0" eaLnBrk="1" latinLnBrk="0" hangingPunct="1">
+              <a:defRPr sz="1800" kern="1200">
+                <a:solidFill>
+                  <a:schemeClr val="tx1"/>
+                </a:solidFill>
+                <a:latin typeface="+mn-lt"/>
+                <a:ea typeface="+mn-ea"/>
+                <a:cs typeface="+mn-cs"/>
+              </a:defRPr>
+            </a:lvl8pPr>
+            <a:lvl9pPr marL="3657600" algn="l" defTabSz="457200" rtl="0" eaLnBrk="1" latinLnBrk="0" hangingPunct="1">
+              <a:defRPr sz="1800" kern="1200">
+                <a:solidFill>
+                  <a:schemeClr val="tx1"/>
+                </a:solidFill>
+                <a:latin typeface="+mn-lt"/>
+                <a:ea typeface="+mn-ea"/>
+                <a:cs typeface="+mn-cs"/>
+              </a:defRPr>
+            </a:lvl9pPr>
+          </a:lstStyle>
+          <a:p>
+            <a:r>
+              <a:rPr lang="en-US" smtClean="0"/>
+              <a:t>Khoa Công Nghệ Thông Tin Đại học Hải Phòng</a:t>
+            </a:r>
+            <a:endParaRPr lang="en-US" dirty="0"/>
+          </a:p>
+        </p:txBody>
+      </p:sp>
+      <p:sp>
+        <p:nvSpPr>
+          <p:cNvPr id="17" name="Slide Number Placeholder 9"/>
+          <p:cNvSpPr txBox="1">
+            <a:spLocks/>
+          </p:cNvSpPr>
+          <p:nvPr/>
+        </p:nvSpPr>
+        <p:spPr>
+          <a:xfrm>
+            <a:off x="9472736" y="6453386"/>
+            <a:ext cx="1596292" cy="404614"/>
+          </a:xfrm>
+          <a:prstGeom prst="rect">
+            <a:avLst/>
+          </a:prstGeom>
+        </p:spPr>
+        <p:txBody>
+          <a:bodyPr vert="horz" lIns="91440" tIns="45720" rIns="91440" bIns="45720" rtlCol="0" anchor="ctr"/>
+          <a:lstStyle>
+            <a:defPPr>
+              <a:defRPr lang="en-US"/>
+            </a:defPPr>
+            <a:lvl1pPr marL="0" algn="r" defTabSz="457200" rtl="0" eaLnBrk="1" latinLnBrk="0" hangingPunct="1">
+              <a:defRPr sz="1200" kern="1200" baseline="0">
+                <a:solidFill>
+                  <a:schemeClr val="tx2"/>
+                </a:solidFill>
+                <a:latin typeface="+mn-lt"/>
+                <a:ea typeface="+mn-ea"/>
+                <a:cs typeface="+mn-cs"/>
+              </a:defRPr>
+            </a:lvl1pPr>
+            <a:lvl2pPr marL="457200" algn="l" defTabSz="457200" rtl="0" eaLnBrk="1" latinLnBrk="0" hangingPunct="1">
+              <a:defRPr sz="1800" kern="1200">
+                <a:solidFill>
+                  <a:schemeClr val="tx1"/>
+                </a:solidFill>
+                <a:latin typeface="+mn-lt"/>
+                <a:ea typeface="+mn-ea"/>
+                <a:cs typeface="+mn-cs"/>
+              </a:defRPr>
+            </a:lvl2pPr>
+            <a:lvl3pPr marL="914400" algn="l" defTabSz="457200" rtl="0" eaLnBrk="1" latinLnBrk="0" hangingPunct="1">
+              <a:defRPr sz="1800" kern="1200">
+                <a:solidFill>
+                  <a:schemeClr val="tx1"/>
+                </a:solidFill>
+                <a:latin typeface="+mn-lt"/>
+                <a:ea typeface="+mn-ea"/>
+                <a:cs typeface="+mn-cs"/>
+              </a:defRPr>
+            </a:lvl3pPr>
+            <a:lvl4pPr marL="1371600" algn="l" defTabSz="457200" rtl="0" eaLnBrk="1" latinLnBrk="0" hangingPunct="1">
+              <a:defRPr sz="1800" kern="1200">
+                <a:solidFill>
+                  <a:schemeClr val="tx1"/>
+                </a:solidFill>
+                <a:latin typeface="+mn-lt"/>
+                <a:ea typeface="+mn-ea"/>
+                <a:cs typeface="+mn-cs"/>
+              </a:defRPr>
+            </a:lvl4pPr>
+            <a:lvl5pPr marL="1828800" algn="l" defTabSz="457200" rtl="0" eaLnBrk="1" latinLnBrk="0" hangingPunct="1">
+              <a:defRPr sz="1800" kern="1200">
+                <a:solidFill>
+                  <a:schemeClr val="tx1"/>
+                </a:solidFill>
+                <a:latin typeface="+mn-lt"/>
+                <a:ea typeface="+mn-ea"/>
+                <a:cs typeface="+mn-cs"/>
+              </a:defRPr>
+            </a:lvl5pPr>
+            <a:lvl6pPr marL="2286000" algn="l" defTabSz="457200" rtl="0" eaLnBrk="1" latinLnBrk="0" hangingPunct="1">
+              <a:defRPr sz="1800" kern="1200">
+                <a:solidFill>
+                  <a:schemeClr val="tx1"/>
+                </a:solidFill>
+                <a:latin typeface="+mn-lt"/>
+                <a:ea typeface="+mn-ea"/>
+                <a:cs typeface="+mn-cs"/>
+              </a:defRPr>
+            </a:lvl6pPr>
+            <a:lvl7pPr marL="2743200" algn="l" defTabSz="457200" rtl="0" eaLnBrk="1" latinLnBrk="0" hangingPunct="1">
+              <a:defRPr sz="1800" kern="1200">
+                <a:solidFill>
+                  <a:schemeClr val="tx1"/>
+                </a:solidFill>
+                <a:latin typeface="+mn-lt"/>
+                <a:ea typeface="+mn-ea"/>
+                <a:cs typeface="+mn-cs"/>
+              </a:defRPr>
+            </a:lvl7pPr>
+            <a:lvl8pPr marL="3200400" algn="l" defTabSz="457200" rtl="0" eaLnBrk="1" latinLnBrk="0" hangingPunct="1">
+              <a:defRPr sz="1800" kern="1200">
+                <a:solidFill>
+                  <a:schemeClr val="tx1"/>
+                </a:solidFill>
+                <a:latin typeface="+mn-lt"/>
+                <a:ea typeface="+mn-ea"/>
+                <a:cs typeface="+mn-cs"/>
+              </a:defRPr>
+            </a:lvl8pPr>
+            <a:lvl9pPr marL="3657600" algn="l" defTabSz="457200" rtl="0" eaLnBrk="1" latinLnBrk="0" hangingPunct="1">
+              <a:defRPr sz="1800" kern="1200">
+                <a:solidFill>
+                  <a:schemeClr val="tx1"/>
+                </a:solidFill>
+                <a:latin typeface="+mn-lt"/>
+                <a:ea typeface="+mn-ea"/>
+                <a:cs typeface="+mn-cs"/>
+              </a:defRPr>
+            </a:lvl9pPr>
+          </a:lstStyle>
+          <a:p>
+            <a:fld id="{69E57DC2-970A-4B3E-BB1C-7A09969E49DF}" type="slidenum">
+              <a:rPr lang="en-US" smtClean="0"/>
+              <a:pPr/>
+              <a:t>19</a:t>
+            </a:fld>
+            <a:endParaRPr lang="en-US" dirty="0"/>
+          </a:p>
+        </p:txBody>
+      </p:sp>
+      <p:sp>
+        <p:nvSpPr>
+          <p:cNvPr id="20" name="TextBox 8"/>
+          <p:cNvSpPr txBox="1"/>
+          <p:nvPr/>
+        </p:nvSpPr>
+        <p:spPr>
+          <a:xfrm>
+            <a:off x="4011379" y="6099577"/>
+            <a:ext cx="4321629" cy="369332"/>
+          </a:xfrm>
+          <a:prstGeom prst="rect">
+            <a:avLst/>
+          </a:prstGeom>
+          <a:noFill/>
+        </p:spPr>
+        <p:txBody>
+          <a:bodyPr wrap="square" rtlCol="0">
+            <a:spAutoFit/>
+          </a:bodyPr>
+          <a:lstStyle/>
+          <a:p>
+            <a:pPr algn="ctr"/>
+            <a:r>
+              <a:rPr lang="en-US" smtClean="0">
+                <a:latin typeface="Times New Roman" panose="02020603050405020304" pitchFamily="18" charset="0"/>
+                <a:cs typeface="Times New Roman" panose="02020603050405020304" pitchFamily="18" charset="0"/>
+              </a:rPr>
+              <a:t>Giao diện </a:t>
+            </a:r>
+            <a:r>
+              <a:rPr lang="en-US" smtClean="0">
+                <a:latin typeface="Times New Roman" panose="02020603050405020304" pitchFamily="18" charset="0"/>
+                <a:cs typeface="Times New Roman" panose="02020603050405020304" pitchFamily="18" charset="0"/>
+              </a:rPr>
+              <a:t>quản lý thông tin cá nhân</a:t>
+            </a:r>
+            <a:endParaRPr lang="en-US">
               <a:latin typeface="Times New Roman" panose="02020603050405020304" pitchFamily="18" charset="0"/>
               <a:cs typeface="Times New Roman" panose="02020603050405020304" pitchFamily="18" charset="0"/>
             </a:endParaRPr>
           </a:p>
-          <a:p>
-            <a:pPr lvl="0" algn="just">
-              <a:buFont typeface="Symbol" panose="05050102010706020507" pitchFamily="18" charset="2"/>
-              <a:buChar char=""/>
-            </a:pPr>
-            <a:r>
-              <a:rPr lang="en-GB" sz="2400">
-                <a:latin typeface="Times New Roman" panose="02020603050405020304" pitchFamily="18" charset="0"/>
-                <a:cs typeface="Times New Roman" panose="02020603050405020304" pitchFamily="18" charset="0"/>
-              </a:rPr>
-              <a:t>Thực hiện các chức năng của giáo viên như xem </a:t>
-            </a:r>
-            <a:r>
-              <a:rPr lang="en-GB" sz="2400" smtClean="0">
-                <a:latin typeface="Times New Roman" panose="02020603050405020304" pitchFamily="18" charset="0"/>
-                <a:cs typeface="Times New Roman" panose="02020603050405020304" pitchFamily="18" charset="0"/>
-              </a:rPr>
-              <a:t>điểm</a:t>
-            </a:r>
-          </a:p>
-          <a:p>
-            <a:pPr lvl="0" algn="just">
-              <a:buFont typeface="Symbol" panose="05050102010706020507" pitchFamily="18" charset="2"/>
-              <a:buChar char=""/>
-            </a:pPr>
-            <a:r>
-              <a:rPr lang="en-GB" sz="2400">
-                <a:latin typeface="Times New Roman" panose="02020603050405020304" pitchFamily="18" charset="0"/>
-                <a:cs typeface="Times New Roman" panose="02020603050405020304" pitchFamily="18" charset="0"/>
-              </a:rPr>
-              <a:t>Thực hiện các chức </a:t>
-            </a:r>
-            <a:r>
-              <a:rPr lang="en-GB" sz="2400" smtClean="0">
-                <a:latin typeface="Times New Roman" panose="02020603050405020304" pitchFamily="18" charset="0"/>
-                <a:cs typeface="Times New Roman" panose="02020603050405020304" pitchFamily="18" charset="0"/>
-              </a:rPr>
-              <a:t>năng của sinh viên như làm bài thi, xem điểm thi</a:t>
-            </a:r>
-            <a:endParaRPr lang="vi-VN" sz="2400">
-              <a:latin typeface="Times New Roman" panose="02020603050405020304" pitchFamily="18" charset="0"/>
-              <a:cs typeface="Times New Roman" panose="02020603050405020304" pitchFamily="18" charset="0"/>
-            </a:endParaRPr>
-          </a:p>
-        </p:txBody>
-      </p:sp>
-      <p:sp>
-        <p:nvSpPr>
-          <p:cNvPr id="3" name="Date Placeholder 2"/>
-          <p:cNvSpPr>
-            <a:spLocks noGrp="1"/>
-          </p:cNvSpPr>
-          <p:nvPr>
-            <p:ph type="dt" sz="half" idx="10"/>
-          </p:nvPr>
-        </p:nvSpPr>
-        <p:spPr/>
-        <p:txBody>
-          <a:bodyPr/>
-          <a:lstStyle/>
-          <a:p>
-            <a:fld id="{7FE4B04E-795F-4882-A8DC-73B4F491FFB5}" type="datetime1">
-              <a:rPr lang="en-US" smtClean="0"/>
-              <a:t>1/9/2021</a:t>
-            </a:fld>
-            <a:endParaRPr lang="en-US" dirty="0"/>
-          </a:p>
-        </p:txBody>
-      </p:sp>
-      <p:sp>
-        <p:nvSpPr>
-          <p:cNvPr id="4" name="Footer Placeholder 3"/>
-          <p:cNvSpPr>
-            <a:spLocks noGrp="1"/>
-          </p:cNvSpPr>
-          <p:nvPr>
-            <p:ph type="ftr" sz="quarter" idx="11"/>
-          </p:nvPr>
-        </p:nvSpPr>
-        <p:spPr/>
-        <p:txBody>
-          <a:bodyPr/>
-          <a:lstStyle/>
-          <a:p>
-            <a:r>
-              <a:rPr lang="en-US" smtClean="0"/>
-              <a:t>Khoa Công Nghệ Thông Tin Đại học Hải Phòng</a:t>
-            </a:r>
-            <a:endParaRPr lang="en-US" dirty="0"/>
-          </a:p>
-        </p:txBody>
-      </p:sp>
-      <p:sp>
-        <p:nvSpPr>
-          <p:cNvPr id="6" name="Slide Number Placeholder 5"/>
-          <p:cNvSpPr>
-            <a:spLocks noGrp="1"/>
-          </p:cNvSpPr>
-          <p:nvPr>
-            <p:ph type="sldNum" sz="quarter" idx="12"/>
-          </p:nvPr>
-        </p:nvSpPr>
-        <p:spPr/>
-        <p:txBody>
-          <a:bodyPr/>
-          <a:lstStyle/>
-          <a:p>
-            <a:fld id="{69E57DC2-970A-4B3E-BB1C-7A09969E49DF}" type="slidenum">
-              <a:rPr lang="en-US" smtClean="0"/>
-              <a:t>19</a:t>
-            </a:fld>
-            <a:endParaRPr lang="en-US" dirty="0"/>
-          </a:p>
-        </p:txBody>
-      </p:sp>
+        </p:txBody>
+      </p:sp>
+      <p:pic>
+        <p:nvPicPr>
+          <p:cNvPr id="12" name="Ảnh 11"/>
+          <p:cNvPicPr/>
+          <p:nvPr/>
+        </p:nvPicPr>
+        <p:blipFill>
+          <a:blip r:embed="rId2">
+            <a:extLst>
+              <a:ext uri="{28A0092B-C50C-407E-A947-70E740481C1C}">
+                <a14:useLocalDpi xmlns:a14="http://schemas.microsoft.com/office/drawing/2010/main" val="0"/>
+              </a:ext>
+            </a:extLst>
+          </a:blip>
+          <a:stretch>
+            <a:fillRect/>
+          </a:stretch>
+        </p:blipFill>
+        <p:spPr>
+          <a:xfrm>
+            <a:off x="2538723" y="1772920"/>
+            <a:ext cx="7266940" cy="3937566"/>
+          </a:xfrm>
+          <a:prstGeom prst="rect">
+            <a:avLst/>
+          </a:prstGeom>
+        </p:spPr>
+      </p:pic>
     </p:spTree>
     <p:extLst>
       <p:ext uri="{BB962C8B-B14F-4D97-AF65-F5344CB8AC3E}">
-        <p14:creationId xmlns:p14="http://schemas.microsoft.com/office/powerpoint/2010/main" val="2768698747"/>
+        <p14:creationId xmlns:p14="http://schemas.microsoft.com/office/powerpoint/2010/main" val="3813003124"/>
       </p:ext>
     </p:extLst>
   </p:cSld>
@@ -10619,7 +10903,7 @@
           <a:p>
             <a:fld id="{4A631C30-30A0-494B-BB05-BE12A69D4CA5}" type="datetime1">
               <a:rPr lang="en-US" smtClean="0"/>
-              <a:t>1/9/2021</a:t>
+              <a:t>4/7/2021</a:t>
             </a:fld>
             <a:endParaRPr lang="en-US" dirty="0"/>
           </a:p>
@@ -10994,7 +11278,7 @@
                 <a:ea typeface="Times New Roman" panose="02020603050405020304" pitchFamily="18" charset="0"/>
                 <a:cs typeface="Times New Roman" panose="02020603050405020304" pitchFamily="18" charset="0"/>
               </a:rPr>
-              <a:t>Định hướng phát triển</a:t>
+              <a:t>Kết quả đạt được</a:t>
             </a:r>
           </a:p>
           <a:p>
@@ -11011,11 +11295,11 @@
               <a:buFont typeface="Symbol" panose="05050102010706020507" pitchFamily="18" charset="2"/>
               <a:buChar char=""/>
               <a:tabLst>
-                <a:tab pos="560070" algn="l"/>
+                <a:tab pos="595630" algn="l"/>
               </a:tabLst>
             </a:pPr>
             <a:r>
-              <a:rPr lang="en-US" sz="2400" smtClean="0">
+              <a:rPr lang="en-GB" sz="2400" smtClean="0">
                 <a:solidFill>
                   <a:srgbClr val="000000"/>
                 </a:solidFill>
@@ -11023,8 +11307,24 @@
                 <a:ea typeface="Times New Roman" panose="02020603050405020304" pitchFamily="18" charset="0"/>
                 <a:cs typeface="Times New Roman" panose="02020603050405020304" pitchFamily="18" charset="0"/>
               </a:rPr>
-              <a:t>Tối ưu các chức năng của quản trị viên</a:t>
-            </a:r>
+              <a:t>Xây </a:t>
+            </a:r>
+            <a:r>
+              <a:rPr lang="en-GB" sz="2400">
+                <a:solidFill>
+                  <a:srgbClr val="000000"/>
+                </a:solidFill>
+                <a:latin typeface="Times New Roman" panose="02020603050405020304" pitchFamily="18" charset="0"/>
+                <a:ea typeface="Times New Roman" panose="02020603050405020304" pitchFamily="18" charset="0"/>
+                <a:cs typeface="Times New Roman" panose="02020603050405020304" pitchFamily="18" charset="0"/>
+              </a:rPr>
+              <a:t>dựng giao diện website thân thiện với người dùng</a:t>
+            </a:r>
+            <a:endParaRPr lang="en-US" sz="2400">
+              <a:latin typeface="Times New Roman" panose="02020603050405020304" pitchFamily="18" charset="0"/>
+              <a:ea typeface="Times New Roman" panose="02020603050405020304" pitchFamily="18" charset="0"/>
+              <a:cs typeface="Times New Roman" panose="02020603050405020304" pitchFamily="18" charset="0"/>
+            </a:endParaRPr>
           </a:p>
           <a:p>
             <a:pPr marL="342900" marR="0" lvl="0" indent="-342900" algn="just">
@@ -11040,11 +11340,11 @@
               <a:buFont typeface="Symbol" panose="05050102010706020507" pitchFamily="18" charset="2"/>
               <a:buChar char=""/>
               <a:tabLst>
-                <a:tab pos="560070" algn="l"/>
+                <a:tab pos="595630" algn="l"/>
               </a:tabLst>
             </a:pPr>
             <a:r>
-              <a:rPr lang="en-US" sz="2400" smtClean="0">
+              <a:rPr lang="en-GB" sz="2400">
                 <a:solidFill>
                   <a:srgbClr val="000000"/>
                 </a:solidFill>
@@ -11052,141 +11352,83 @@
                 <a:ea typeface="Times New Roman" panose="02020603050405020304" pitchFamily="18" charset="0"/>
                 <a:cs typeface="Times New Roman" panose="02020603050405020304" pitchFamily="18" charset="0"/>
               </a:rPr>
-              <a:t>Thêm chức năng quản lý bài thi cho giáo viên</a:t>
-            </a:r>
-            <a:endParaRPr lang="en-US" sz="1800">
+              <a:t>Đăng nhập cho </a:t>
+            </a:r>
+            <a:r>
+              <a:rPr lang="en-US" sz="2400" smtClean="0">
+                <a:solidFill>
+                  <a:srgbClr val="000000"/>
+                </a:solidFill>
+                <a:latin typeface="Times New Roman" panose="02020603050405020304" pitchFamily="18" charset="0"/>
+                <a:ea typeface="Times New Roman" panose="02020603050405020304" pitchFamily="18" charset="0"/>
+                <a:cs typeface="Times New Roman" panose="02020603050405020304" pitchFamily="18" charset="0"/>
+              </a:rPr>
+              <a:t>quản trị viên, giáo viên, sinh viên</a:t>
+            </a:r>
+            <a:endParaRPr lang="en-US" sz="2400">
               <a:latin typeface="Times New Roman" panose="02020603050405020304" pitchFamily="18" charset="0"/>
               <a:ea typeface="Times New Roman" panose="02020603050405020304" pitchFamily="18" charset="0"/>
               <a:cs typeface="Times New Roman" panose="02020603050405020304" pitchFamily="18" charset="0"/>
             </a:endParaRPr>
           </a:p>
           <a:p>
-            <a:pPr marL="342900" marR="0" lvl="0" indent="-342900" algn="just">
-              <a:lnSpc>
-                <a:spcPct val="150000"/>
-              </a:lnSpc>
-              <a:spcBef>
-                <a:spcPts val="0"/>
-              </a:spcBef>
-              <a:spcAft>
-                <a:spcPts val="0"/>
-              </a:spcAft>
+            <a:pPr algn="just">
               <a:buFont typeface="Symbol" panose="05050102010706020507" pitchFamily="18" charset="2"/>
               <a:buChar char=""/>
-              <a:tabLst>
-                <a:tab pos="560070" algn="l"/>
-              </a:tabLst>
             </a:pPr>
             <a:r>
-              <a:rPr lang="en-US" sz="2400">
-                <a:solidFill>
-                  <a:srgbClr val="000000"/>
-                </a:solidFill>
+              <a:rPr lang="en-GB" sz="2400">
                 <a:latin typeface="Times New Roman" panose="02020603050405020304" pitchFamily="18" charset="0"/>
-                <a:ea typeface="Times New Roman" panose="02020603050405020304" pitchFamily="18" charset="0"/>
                 <a:cs typeface="Times New Roman" panose="02020603050405020304" pitchFamily="18" charset="0"/>
               </a:rPr>
-              <a:t>Thêm chức năng quản lý </a:t>
-            </a:r>
-            <a:r>
-              <a:rPr lang="en-US" sz="2400" smtClean="0">
-                <a:solidFill>
-                  <a:srgbClr val="000000"/>
-                </a:solidFill>
-                <a:latin typeface="Times New Roman" panose="02020603050405020304" pitchFamily="18" charset="0"/>
-                <a:ea typeface="Times New Roman" panose="02020603050405020304" pitchFamily="18" charset="0"/>
-                <a:cs typeface="Times New Roman" panose="02020603050405020304" pitchFamily="18" charset="0"/>
-              </a:rPr>
-              <a:t>câu hỏi cho </a:t>
-            </a:r>
-            <a:r>
-              <a:rPr lang="en-US" sz="2400">
-                <a:solidFill>
-                  <a:srgbClr val="000000"/>
-                </a:solidFill>
-                <a:latin typeface="Times New Roman" panose="02020603050405020304" pitchFamily="18" charset="0"/>
-                <a:ea typeface="Times New Roman" panose="02020603050405020304" pitchFamily="18" charset="0"/>
-                <a:cs typeface="Times New Roman" panose="02020603050405020304" pitchFamily="18" charset="0"/>
-              </a:rPr>
-              <a:t>giáo viên</a:t>
-            </a:r>
-            <a:endParaRPr lang="en-US" sz="1800">
+              <a:t>Thực hiện các chức năng quản lý của quản trị viên như: quản lý sinh viên, quản lý giáo viên, quản lý ngành, môn …</a:t>
+            </a:r>
+            <a:endParaRPr lang="vi-VN" sz="2400">
               <a:latin typeface="Times New Roman" panose="02020603050405020304" pitchFamily="18" charset="0"/>
-              <a:ea typeface="Times New Roman" panose="02020603050405020304" pitchFamily="18" charset="0"/>
               <a:cs typeface="Times New Roman" panose="02020603050405020304" pitchFamily="18" charset="0"/>
             </a:endParaRPr>
           </a:p>
           <a:p>
-            <a:pPr marL="342900" marR="0" lvl="0" indent="-342900" algn="just">
-              <a:lnSpc>
-                <a:spcPct val="150000"/>
-              </a:lnSpc>
-              <a:spcBef>
-                <a:spcPts val="0"/>
-              </a:spcBef>
-              <a:spcAft>
-                <a:spcPts val="0"/>
-              </a:spcAft>
+            <a:pPr lvl="0" algn="just">
               <a:buFont typeface="Symbol" panose="05050102010706020507" pitchFamily="18" charset="2"/>
               <a:buChar char=""/>
-              <a:tabLst>
-                <a:tab pos="560070" algn="l"/>
-              </a:tabLst>
             </a:pPr>
             <a:r>
+              <a:rPr lang="en-GB" sz="2400">
+                <a:latin typeface="Times New Roman" panose="02020603050405020304" pitchFamily="18" charset="0"/>
+                <a:cs typeface="Times New Roman" panose="02020603050405020304" pitchFamily="18" charset="0"/>
+              </a:rPr>
+              <a:t>Thực hiện các chức năng của giáo viên như xem </a:t>
+            </a:r>
+            <a:r>
               <a:rPr lang="en-GB" sz="2400" smtClean="0">
-                <a:solidFill>
-                  <a:srgbClr val="000000"/>
-                </a:solidFill>
                 <a:latin typeface="Times New Roman" panose="02020603050405020304" pitchFamily="18" charset="0"/>
-                <a:ea typeface="Times New Roman" panose="02020603050405020304" pitchFamily="18" charset="0"/>
                 <a:cs typeface="Times New Roman" panose="02020603050405020304" pitchFamily="18" charset="0"/>
               </a:rPr>
-              <a:t>Thực hiện chuẩn phương pháp thi trực tuyến: câu hỏi và đáp án không xếp theo thứ tự</a:t>
-            </a:r>
-          </a:p>
-          <a:p>
-            <a:pPr marL="342900" marR="0" lvl="0" indent="-342900" algn="just">
-              <a:lnSpc>
-                <a:spcPct val="150000"/>
-              </a:lnSpc>
-              <a:spcBef>
-                <a:spcPts val="0"/>
-              </a:spcBef>
-              <a:spcAft>
-                <a:spcPts val="0"/>
-              </a:spcAft>
+              <a:t>điểm</a:t>
+            </a:r>
+          </a:p>
+          <a:p>
+            <a:pPr lvl="0" algn="just">
               <a:buFont typeface="Symbol" panose="05050102010706020507" pitchFamily="18" charset="2"/>
               <a:buChar char=""/>
-              <a:tabLst>
-                <a:tab pos="560070" algn="l"/>
-              </a:tabLst>
             </a:pPr>
             <a:r>
               <a:rPr lang="en-GB" sz="2400">
-                <a:solidFill>
-                  <a:srgbClr val="000000"/>
-                </a:solidFill>
                 <a:latin typeface="Times New Roman" panose="02020603050405020304" pitchFamily="18" charset="0"/>
-                <a:ea typeface="Times New Roman" panose="02020603050405020304" pitchFamily="18" charset="0"/>
                 <a:cs typeface="Times New Roman" panose="02020603050405020304" pitchFamily="18" charset="0"/>
               </a:rPr>
-              <a:t>Thực </a:t>
+              <a:t>Thực hiện các chức </a:t>
             </a:r>
             <a:r>
               <a:rPr lang="en-GB" sz="2400" smtClean="0">
-                <a:solidFill>
-                  <a:srgbClr val="000000"/>
-                </a:solidFill>
                 <a:latin typeface="Times New Roman" panose="02020603050405020304" pitchFamily="18" charset="0"/>
-                <a:ea typeface="Times New Roman" panose="02020603050405020304" pitchFamily="18" charset="0"/>
                 <a:cs typeface="Times New Roman" panose="02020603050405020304" pitchFamily="18" charset="0"/>
               </a:rPr>
-              <a:t>hiện nhập dữ liệu từ các file word, excel</a:t>
-            </a:r>
-            <a:endParaRPr lang="en-US" sz="1800">
+              <a:t>năng của sinh viên như làm bài thi, xem điểm thi</a:t>
+            </a:r>
+            <a:endParaRPr lang="vi-VN" sz="2400">
               <a:latin typeface="Times New Roman" panose="02020603050405020304" pitchFamily="18" charset="0"/>
-              <a:ea typeface="Times New Roman" panose="02020603050405020304" pitchFamily="18" charset="0"/>
               <a:cs typeface="Times New Roman" panose="02020603050405020304" pitchFamily="18" charset="0"/>
             </a:endParaRPr>
           </a:p>
@@ -11207,9 +11449,9 @@
           <a:bodyPr/>
           <a:lstStyle/>
           <a:p>
-            <a:fld id="{4F2759BD-1260-48F8-A719-286589AB4B28}" type="datetime1">
-              <a:rPr lang="en-US" smtClean="0"/>
-              <a:t>1/9/2021</a:t>
+            <a:fld id="{7FE4B04E-795F-4882-A8DC-73B4F491FFB5}" type="datetime1">
+              <a:rPr lang="en-US" smtClean="0"/>
+              <a:t>4/7/2021</a:t>
             </a:fld>
             <a:endParaRPr lang="en-US" dirty="0"/>
           </a:p>
@@ -11264,7 +11506,7 @@
     </p:spTree>
     <p:extLst>
       <p:ext uri="{BB962C8B-B14F-4D97-AF65-F5344CB8AC3E}">
-        <p14:creationId xmlns:p14="http://schemas.microsoft.com/office/powerpoint/2010/main" val="1278303720"/>
+        <p14:creationId xmlns:p14="http://schemas.microsoft.com/office/powerpoint/2010/main" val="2768698747"/>
       </p:ext>
     </p:extLst>
   </p:cSld>
@@ -11312,7 +11554,479 @@
       </p:grpSpPr>
       <p:sp>
         <p:nvSpPr>
-          <p:cNvPr id="4" name="Date Placeholder 3"/>
+          <p:cNvPr id="2" name="Title 1"/>
+          <p:cNvSpPr>
+            <a:spLocks noGrp="1"/>
+          </p:cNvSpPr>
+          <p:nvPr>
+            <p:ph type="title"/>
+          </p:nvPr>
+        </p:nvSpPr>
+        <p:spPr>
+          <a:xfrm>
+            <a:off x="1371600" y="449432"/>
+            <a:ext cx="9601200" cy="674914"/>
+          </a:xfrm>
+        </p:spPr>
+        <p:txBody>
+          <a:bodyPr anchor="ctr">
+            <a:normAutofit/>
+          </a:bodyPr>
+          <a:lstStyle/>
+          <a:p>
+            <a:pPr algn="ctr"/>
+            <a:r>
+              <a:rPr lang="en-US" sz="4000" smtClean="0">
+                <a:solidFill>
+                  <a:srgbClr val="C00000"/>
+                </a:solidFill>
+                <a:latin typeface="Times New Roman" panose="02020603050405020304" pitchFamily="18" charset="0"/>
+                <a:cs typeface="Times New Roman" panose="02020603050405020304" pitchFamily="18" charset="0"/>
+              </a:rPr>
+              <a:t>Kết luận</a:t>
+            </a:r>
+            <a:endParaRPr lang="en-US"/>
+          </a:p>
+        </p:txBody>
+      </p:sp>
+      <p:sp>
+        <p:nvSpPr>
+          <p:cNvPr id="5" name="Content Placeholder 2"/>
+          <p:cNvSpPr txBox="1">
+            <a:spLocks/>
+          </p:cNvSpPr>
+          <p:nvPr/>
+        </p:nvSpPr>
+        <p:spPr>
+          <a:xfrm>
+            <a:off x="1371600" y="1124347"/>
+            <a:ext cx="9601200" cy="5254682"/>
+          </a:xfrm>
+          <a:prstGeom prst="rect">
+            <a:avLst/>
+          </a:prstGeom>
+        </p:spPr>
+        <p:txBody>
+          <a:bodyPr vert="horz" lIns="91440" tIns="45720" rIns="91440" bIns="45720" rtlCol="0">
+            <a:noAutofit/>
+          </a:bodyPr>
+          <a:lstStyle>
+            <a:lvl1pPr marL="384048" indent="-384048" algn="l" defTabSz="914400" rtl="0" eaLnBrk="1" latinLnBrk="0" hangingPunct="1">
+              <a:lnSpc>
+                <a:spcPct val="94000"/>
+              </a:lnSpc>
+              <a:spcBef>
+                <a:spcPts val="1000"/>
+              </a:spcBef>
+              <a:spcAft>
+                <a:spcPts val="200"/>
+              </a:spcAft>
+              <a:buFont typeface="Franklin Gothic Book" panose="020B0503020102020204" pitchFamily="34" charset="0"/>
+              <a:buChar char="■"/>
+              <a:defRPr sz="2000" kern="1200" baseline="0">
+                <a:solidFill>
+                  <a:schemeClr val="tx2"/>
+                </a:solidFill>
+                <a:latin typeface="+mn-lt"/>
+                <a:ea typeface="+mn-ea"/>
+                <a:cs typeface="+mn-cs"/>
+              </a:defRPr>
+            </a:lvl1pPr>
+            <a:lvl2pPr marL="914400" indent="-384048" algn="l" defTabSz="914400" rtl="0" eaLnBrk="1" latinLnBrk="0" hangingPunct="1">
+              <a:lnSpc>
+                <a:spcPct val="94000"/>
+              </a:lnSpc>
+              <a:spcBef>
+                <a:spcPts val="500"/>
+              </a:spcBef>
+              <a:spcAft>
+                <a:spcPts val="200"/>
+              </a:spcAft>
+              <a:buFont typeface="Franklin Gothic Book" panose="020B0503020102020204" pitchFamily="34" charset="0"/>
+              <a:buChar char="–"/>
+              <a:defRPr sz="2000" i="1" kern="1200" baseline="0">
+                <a:solidFill>
+                  <a:schemeClr val="tx2"/>
+                </a:solidFill>
+                <a:latin typeface="+mn-lt"/>
+                <a:ea typeface="+mn-ea"/>
+                <a:cs typeface="+mn-cs"/>
+              </a:defRPr>
+            </a:lvl2pPr>
+            <a:lvl3pPr marL="1371600" indent="-384048" algn="l" defTabSz="914400" rtl="0" eaLnBrk="1" latinLnBrk="0" hangingPunct="1">
+              <a:lnSpc>
+                <a:spcPct val="94000"/>
+              </a:lnSpc>
+              <a:spcBef>
+                <a:spcPts val="500"/>
+              </a:spcBef>
+              <a:spcAft>
+                <a:spcPts val="200"/>
+              </a:spcAft>
+              <a:buFont typeface="Franklin Gothic Book" panose="020B0503020102020204" pitchFamily="34" charset="0"/>
+              <a:buChar char="■"/>
+              <a:defRPr sz="1800" kern="1200" baseline="0">
+                <a:solidFill>
+                  <a:schemeClr val="tx2"/>
+                </a:solidFill>
+                <a:latin typeface="+mn-lt"/>
+                <a:ea typeface="+mn-ea"/>
+                <a:cs typeface="+mn-cs"/>
+              </a:defRPr>
+            </a:lvl3pPr>
+            <a:lvl4pPr marL="1828800" indent="-384048" algn="l" defTabSz="914400" rtl="0" eaLnBrk="1" latinLnBrk="0" hangingPunct="1">
+              <a:lnSpc>
+                <a:spcPct val="94000"/>
+              </a:lnSpc>
+              <a:spcBef>
+                <a:spcPts val="500"/>
+              </a:spcBef>
+              <a:spcAft>
+                <a:spcPts val="200"/>
+              </a:spcAft>
+              <a:buFont typeface="Franklin Gothic Book" panose="020B0503020102020204" pitchFamily="34" charset="0"/>
+              <a:buChar char="–"/>
+              <a:defRPr sz="1800" i="1" kern="1200" baseline="0">
+                <a:solidFill>
+                  <a:schemeClr val="tx2"/>
+                </a:solidFill>
+                <a:latin typeface="+mn-lt"/>
+                <a:ea typeface="+mn-ea"/>
+                <a:cs typeface="+mn-cs"/>
+              </a:defRPr>
+            </a:lvl4pPr>
+            <a:lvl5pPr marL="2286000" indent="-384048" algn="l" defTabSz="914400" rtl="0" eaLnBrk="1" latinLnBrk="0" hangingPunct="1">
+              <a:lnSpc>
+                <a:spcPct val="94000"/>
+              </a:lnSpc>
+              <a:spcBef>
+                <a:spcPts val="500"/>
+              </a:spcBef>
+              <a:spcAft>
+                <a:spcPts val="200"/>
+              </a:spcAft>
+              <a:buFont typeface="Franklin Gothic Book" panose="020B0503020102020204" pitchFamily="34" charset="0"/>
+              <a:buChar char="■"/>
+              <a:defRPr sz="1600" kern="1200" baseline="0">
+                <a:solidFill>
+                  <a:schemeClr val="tx2"/>
+                </a:solidFill>
+                <a:latin typeface="+mn-lt"/>
+                <a:ea typeface="+mn-ea"/>
+                <a:cs typeface="+mn-cs"/>
+              </a:defRPr>
+            </a:lvl5pPr>
+            <a:lvl6pPr marL="2743200" indent="-384048" algn="l" defTabSz="914400" rtl="0" eaLnBrk="1" latinLnBrk="0" hangingPunct="1">
+              <a:lnSpc>
+                <a:spcPct val="94000"/>
+              </a:lnSpc>
+              <a:spcBef>
+                <a:spcPts val="500"/>
+              </a:spcBef>
+              <a:spcAft>
+                <a:spcPts val="200"/>
+              </a:spcAft>
+              <a:buFont typeface="Franklin Gothic Book" panose="020B0503020102020204" pitchFamily="34" charset="0"/>
+              <a:buChar char="–"/>
+              <a:defRPr sz="1600" i="1" kern="1200" baseline="0">
+                <a:solidFill>
+                  <a:schemeClr val="tx2"/>
+                </a:solidFill>
+                <a:latin typeface="+mn-lt"/>
+                <a:ea typeface="+mn-ea"/>
+                <a:cs typeface="+mn-cs"/>
+              </a:defRPr>
+            </a:lvl6pPr>
+            <a:lvl7pPr marL="3200400" indent="-384048" algn="l" defTabSz="914400" rtl="0" eaLnBrk="1" latinLnBrk="0" hangingPunct="1">
+              <a:lnSpc>
+                <a:spcPct val="94000"/>
+              </a:lnSpc>
+              <a:spcBef>
+                <a:spcPts val="500"/>
+              </a:spcBef>
+              <a:spcAft>
+                <a:spcPts val="200"/>
+              </a:spcAft>
+              <a:buFont typeface="Franklin Gothic Book" panose="020B0503020102020204" pitchFamily="34" charset="0"/>
+              <a:buChar char="■"/>
+              <a:defRPr sz="1400" kern="1200" baseline="0">
+                <a:solidFill>
+                  <a:schemeClr val="tx2"/>
+                </a:solidFill>
+                <a:latin typeface="+mn-lt"/>
+                <a:ea typeface="+mn-ea"/>
+                <a:cs typeface="+mn-cs"/>
+              </a:defRPr>
+            </a:lvl7pPr>
+            <a:lvl8pPr marL="3657600" indent="-384048" algn="l" defTabSz="914400" rtl="0" eaLnBrk="1" latinLnBrk="0" hangingPunct="1">
+              <a:lnSpc>
+                <a:spcPct val="94000"/>
+              </a:lnSpc>
+              <a:spcBef>
+                <a:spcPts val="500"/>
+              </a:spcBef>
+              <a:spcAft>
+                <a:spcPts val="200"/>
+              </a:spcAft>
+              <a:buFont typeface="Franklin Gothic Book" panose="020B0503020102020204" pitchFamily="34" charset="0"/>
+              <a:buChar char="–"/>
+              <a:defRPr sz="1400" i="1" kern="1200" baseline="0">
+                <a:solidFill>
+                  <a:schemeClr val="tx2"/>
+                </a:solidFill>
+                <a:latin typeface="+mn-lt"/>
+                <a:ea typeface="+mn-ea"/>
+                <a:cs typeface="+mn-cs"/>
+              </a:defRPr>
+            </a:lvl8pPr>
+            <a:lvl9pPr marL="4114800" indent="-384048" algn="l" defTabSz="914400" rtl="0" eaLnBrk="1" latinLnBrk="0" hangingPunct="1">
+              <a:lnSpc>
+                <a:spcPct val="94000"/>
+              </a:lnSpc>
+              <a:spcBef>
+                <a:spcPts val="500"/>
+              </a:spcBef>
+              <a:spcAft>
+                <a:spcPts val="200"/>
+              </a:spcAft>
+              <a:buFont typeface="Franklin Gothic Book" panose="020B0503020102020204" pitchFamily="34" charset="0"/>
+              <a:buChar char="■"/>
+              <a:defRPr sz="1400" kern="1200" baseline="0">
+                <a:solidFill>
+                  <a:schemeClr val="tx2"/>
+                </a:solidFill>
+                <a:latin typeface="+mn-lt"/>
+                <a:ea typeface="+mn-ea"/>
+                <a:cs typeface="+mn-cs"/>
+              </a:defRPr>
+            </a:lvl9pPr>
+          </a:lstStyle>
+          <a:p>
+            <a:pPr marL="0" marR="0" lvl="0" indent="0" algn="just">
+              <a:lnSpc>
+                <a:spcPct val="150000"/>
+              </a:lnSpc>
+              <a:spcBef>
+                <a:spcPts val="0"/>
+              </a:spcBef>
+              <a:spcAft>
+                <a:spcPts val="0"/>
+              </a:spcAft>
+              <a:buNone/>
+              <a:tabLst>
+                <a:tab pos="595630" algn="l"/>
+              </a:tabLst>
+            </a:pPr>
+            <a:r>
+              <a:rPr lang="en-GB" sz="2400" b="1" smtClean="0">
+                <a:solidFill>
+                  <a:srgbClr val="000000"/>
+                </a:solidFill>
+                <a:latin typeface="Times New Roman" panose="02020603050405020304" pitchFamily="18" charset="0"/>
+                <a:ea typeface="Times New Roman" panose="02020603050405020304" pitchFamily="18" charset="0"/>
+                <a:cs typeface="Times New Roman" panose="02020603050405020304" pitchFamily="18" charset="0"/>
+              </a:rPr>
+              <a:t>Định hướng phát triển</a:t>
+            </a:r>
+          </a:p>
+          <a:p>
+            <a:pPr marL="342900" marR="0" lvl="0" indent="-342900" algn="just">
+              <a:lnSpc>
+                <a:spcPct val="150000"/>
+              </a:lnSpc>
+              <a:spcBef>
+                <a:spcPts val="0"/>
+              </a:spcBef>
+              <a:spcAft>
+                <a:spcPts val="0"/>
+              </a:spcAft>
+              <a:buFont typeface="Symbol" panose="05050102010706020507" pitchFamily="18" charset="2"/>
+              <a:buChar char=""/>
+              <a:tabLst>
+                <a:tab pos="560070" algn="l"/>
+              </a:tabLst>
+            </a:pPr>
+            <a:r>
+              <a:rPr lang="en-US" sz="2400" smtClean="0">
+                <a:solidFill>
+                  <a:srgbClr val="000000"/>
+                </a:solidFill>
+                <a:latin typeface="Times New Roman" panose="02020603050405020304" pitchFamily="18" charset="0"/>
+                <a:ea typeface="Times New Roman" panose="02020603050405020304" pitchFamily="18" charset="0"/>
+                <a:cs typeface="Times New Roman" panose="02020603050405020304" pitchFamily="18" charset="0"/>
+              </a:rPr>
+              <a:t>Tối ưu các chức năng của quản trị viên</a:t>
+            </a:r>
+          </a:p>
+          <a:p>
+            <a:pPr marL="342900" marR="0" lvl="0" indent="-342900" algn="just">
+              <a:lnSpc>
+                <a:spcPct val="150000"/>
+              </a:lnSpc>
+              <a:spcBef>
+                <a:spcPts val="0"/>
+              </a:spcBef>
+              <a:spcAft>
+                <a:spcPts val="0"/>
+              </a:spcAft>
+              <a:buFont typeface="Symbol" panose="05050102010706020507" pitchFamily="18" charset="2"/>
+              <a:buChar char=""/>
+              <a:tabLst>
+                <a:tab pos="560070" algn="l"/>
+              </a:tabLst>
+            </a:pPr>
+            <a:r>
+              <a:rPr lang="en-US" sz="2400" smtClean="0">
+                <a:solidFill>
+                  <a:srgbClr val="000000"/>
+                </a:solidFill>
+                <a:latin typeface="Times New Roman" panose="02020603050405020304" pitchFamily="18" charset="0"/>
+                <a:ea typeface="Times New Roman" panose="02020603050405020304" pitchFamily="18" charset="0"/>
+                <a:cs typeface="Times New Roman" panose="02020603050405020304" pitchFamily="18" charset="0"/>
+              </a:rPr>
+              <a:t>Thêm chức năng quản lý bài thi cho giáo viên</a:t>
+            </a:r>
+            <a:endParaRPr lang="en-US" sz="1800">
+              <a:latin typeface="Times New Roman" panose="02020603050405020304" pitchFamily="18" charset="0"/>
+              <a:ea typeface="Times New Roman" panose="02020603050405020304" pitchFamily="18" charset="0"/>
+              <a:cs typeface="Times New Roman" panose="02020603050405020304" pitchFamily="18" charset="0"/>
+            </a:endParaRPr>
+          </a:p>
+          <a:p>
+            <a:pPr marL="342900" marR="0" lvl="0" indent="-342900" algn="just">
+              <a:lnSpc>
+                <a:spcPct val="150000"/>
+              </a:lnSpc>
+              <a:spcBef>
+                <a:spcPts val="0"/>
+              </a:spcBef>
+              <a:spcAft>
+                <a:spcPts val="0"/>
+              </a:spcAft>
+              <a:buFont typeface="Symbol" panose="05050102010706020507" pitchFamily="18" charset="2"/>
+              <a:buChar char=""/>
+              <a:tabLst>
+                <a:tab pos="560070" algn="l"/>
+              </a:tabLst>
+            </a:pPr>
+            <a:r>
+              <a:rPr lang="en-US" sz="2400">
+                <a:solidFill>
+                  <a:srgbClr val="000000"/>
+                </a:solidFill>
+                <a:latin typeface="Times New Roman" panose="02020603050405020304" pitchFamily="18" charset="0"/>
+                <a:ea typeface="Times New Roman" panose="02020603050405020304" pitchFamily="18" charset="0"/>
+                <a:cs typeface="Times New Roman" panose="02020603050405020304" pitchFamily="18" charset="0"/>
+              </a:rPr>
+              <a:t>Thêm chức năng quản lý </a:t>
+            </a:r>
+            <a:r>
+              <a:rPr lang="en-US" sz="2400" smtClean="0">
+                <a:solidFill>
+                  <a:srgbClr val="000000"/>
+                </a:solidFill>
+                <a:latin typeface="Times New Roman" panose="02020603050405020304" pitchFamily="18" charset="0"/>
+                <a:ea typeface="Times New Roman" panose="02020603050405020304" pitchFamily="18" charset="0"/>
+                <a:cs typeface="Times New Roman" panose="02020603050405020304" pitchFamily="18" charset="0"/>
+              </a:rPr>
+              <a:t>câu hỏi cho </a:t>
+            </a:r>
+            <a:r>
+              <a:rPr lang="en-US" sz="2400">
+                <a:solidFill>
+                  <a:srgbClr val="000000"/>
+                </a:solidFill>
+                <a:latin typeface="Times New Roman" panose="02020603050405020304" pitchFamily="18" charset="0"/>
+                <a:ea typeface="Times New Roman" panose="02020603050405020304" pitchFamily="18" charset="0"/>
+                <a:cs typeface="Times New Roman" panose="02020603050405020304" pitchFamily="18" charset="0"/>
+              </a:rPr>
+              <a:t>giáo viên</a:t>
+            </a:r>
+            <a:endParaRPr lang="en-US" sz="1800">
+              <a:latin typeface="Times New Roman" panose="02020603050405020304" pitchFamily="18" charset="0"/>
+              <a:ea typeface="Times New Roman" panose="02020603050405020304" pitchFamily="18" charset="0"/>
+              <a:cs typeface="Times New Roman" panose="02020603050405020304" pitchFamily="18" charset="0"/>
+            </a:endParaRPr>
+          </a:p>
+          <a:p>
+            <a:pPr marL="342900" marR="0" lvl="0" indent="-342900" algn="just">
+              <a:lnSpc>
+                <a:spcPct val="150000"/>
+              </a:lnSpc>
+              <a:spcBef>
+                <a:spcPts val="0"/>
+              </a:spcBef>
+              <a:spcAft>
+                <a:spcPts val="0"/>
+              </a:spcAft>
+              <a:buFont typeface="Symbol" panose="05050102010706020507" pitchFamily="18" charset="2"/>
+              <a:buChar char=""/>
+              <a:tabLst>
+                <a:tab pos="560070" algn="l"/>
+              </a:tabLst>
+            </a:pPr>
+            <a:r>
+              <a:rPr lang="en-GB" sz="2400" smtClean="0">
+                <a:solidFill>
+                  <a:srgbClr val="000000"/>
+                </a:solidFill>
+                <a:latin typeface="Times New Roman" panose="02020603050405020304" pitchFamily="18" charset="0"/>
+                <a:ea typeface="Times New Roman" panose="02020603050405020304" pitchFamily="18" charset="0"/>
+                <a:cs typeface="Times New Roman" panose="02020603050405020304" pitchFamily="18" charset="0"/>
+              </a:rPr>
+              <a:t>Thực hiện chuẩn phương pháp thi trực tuyến: câu hỏi và đáp án không xếp theo thứ tự</a:t>
+            </a:r>
+          </a:p>
+          <a:p>
+            <a:pPr marL="342900" marR="0" lvl="0" indent="-342900" algn="just">
+              <a:lnSpc>
+                <a:spcPct val="150000"/>
+              </a:lnSpc>
+              <a:spcBef>
+                <a:spcPts val="0"/>
+              </a:spcBef>
+              <a:spcAft>
+                <a:spcPts val="0"/>
+              </a:spcAft>
+              <a:buFont typeface="Symbol" panose="05050102010706020507" pitchFamily="18" charset="2"/>
+              <a:buChar char=""/>
+              <a:tabLst>
+                <a:tab pos="560070" algn="l"/>
+              </a:tabLst>
+            </a:pPr>
+            <a:r>
+              <a:rPr lang="en-GB" sz="2400">
+                <a:solidFill>
+                  <a:srgbClr val="000000"/>
+                </a:solidFill>
+                <a:latin typeface="Times New Roman" panose="02020603050405020304" pitchFamily="18" charset="0"/>
+                <a:ea typeface="Times New Roman" panose="02020603050405020304" pitchFamily="18" charset="0"/>
+                <a:cs typeface="Times New Roman" panose="02020603050405020304" pitchFamily="18" charset="0"/>
+              </a:rPr>
+              <a:t>Thực </a:t>
+            </a:r>
+            <a:r>
+              <a:rPr lang="en-GB" sz="2400" smtClean="0">
+                <a:solidFill>
+                  <a:srgbClr val="000000"/>
+                </a:solidFill>
+                <a:latin typeface="Times New Roman" panose="02020603050405020304" pitchFamily="18" charset="0"/>
+                <a:ea typeface="Times New Roman" panose="02020603050405020304" pitchFamily="18" charset="0"/>
+                <a:cs typeface="Times New Roman" panose="02020603050405020304" pitchFamily="18" charset="0"/>
+              </a:rPr>
+              <a:t>hiện nhập dữ liệu từ các file word, excel</a:t>
+            </a:r>
+            <a:endParaRPr lang="en-US" sz="1800">
+              <a:latin typeface="Times New Roman" panose="02020603050405020304" pitchFamily="18" charset="0"/>
+              <a:ea typeface="Times New Roman" panose="02020603050405020304" pitchFamily="18" charset="0"/>
+              <a:cs typeface="Times New Roman" panose="02020603050405020304" pitchFamily="18" charset="0"/>
+            </a:endParaRPr>
+          </a:p>
+        </p:txBody>
+      </p:sp>
+      <p:sp>
+        <p:nvSpPr>
+          <p:cNvPr id="3" name="Date Placeholder 2"/>
           <p:cNvSpPr>
             <a:spLocks noGrp="1"/>
           </p:cNvSpPr>
@@ -11325,9 +12039,9 @@
           <a:bodyPr/>
           <a:lstStyle/>
           <a:p>
-            <a:fld id="{2F3F00CD-ECDA-4A1E-A45D-7D97DD615106}" type="datetime1">
-              <a:rPr lang="en-US" smtClean="0"/>
-              <a:t>1/9/2021</a:t>
+            <a:fld id="{4F2759BD-1260-48F8-A719-286589AB4B28}" type="datetime1">
+              <a:rPr lang="en-US" smtClean="0"/>
+              <a:t>4/7/2021</a:t>
             </a:fld>
             <a:endParaRPr lang="en-US" dirty="0"/>
           </a:p>
@@ -11335,7 +12049,7 @@
       </p:sp>
       <p:sp>
         <p:nvSpPr>
-          <p:cNvPr id="5" name="Footer Placeholder 4"/>
+          <p:cNvPr id="4" name="Footer Placeholder 3"/>
           <p:cNvSpPr>
             <a:spLocks noGrp="1"/>
           </p:cNvSpPr>
@@ -11374,6 +12088,124 @@
             <a:fld id="{69E57DC2-970A-4B3E-BB1C-7A09969E49DF}" type="slidenum">
               <a:rPr lang="en-US" smtClean="0"/>
               <a:t>21</a:t>
+            </a:fld>
+            <a:endParaRPr lang="en-US" dirty="0"/>
+          </a:p>
+        </p:txBody>
+      </p:sp>
+    </p:spTree>
+    <p:extLst>
+      <p:ext uri="{BB962C8B-B14F-4D97-AF65-F5344CB8AC3E}">
+        <p14:creationId xmlns:p14="http://schemas.microsoft.com/office/powerpoint/2010/main" val="1278303720"/>
+      </p:ext>
+    </p:extLst>
+  </p:cSld>
+  <p:clrMapOvr>
+    <a:masterClrMapping/>
+  </p:clrMapOvr>
+  <mc:AlternateContent xmlns:mc="http://schemas.openxmlformats.org/markup-compatibility/2006" xmlns:p14="http://schemas.microsoft.com/office/powerpoint/2010/main">
+    <mc:Choice Requires="p14">
+      <p:transition spd="med" p14:dur="700">
+        <p:fade/>
+      </p:transition>
+    </mc:Choice>
+    <mc:Fallback xmlns="">
+      <p:transition spd="med">
+        <p:fade/>
+      </p:transition>
+    </mc:Fallback>
+  </mc:AlternateContent>
+  <p:timing>
+    <p:tnLst>
+      <p:par>
+        <p:cTn id="1" dur="indefinite" restart="never" nodeType="tmRoot"/>
+      </p:par>
+    </p:tnLst>
+  </p:timing>
+</p:sld>
+</file>
+
+<file path=ppt/slides/slide22.xml><?xml version="1.0" encoding="utf-8"?>
+<p:sld xmlns:a="http://schemas.openxmlformats.org/drawingml/2006/main" xmlns:r="http://schemas.openxmlformats.org/officeDocument/2006/relationships" xmlns:p="http://schemas.openxmlformats.org/presentationml/2006/main">
+  <p:cSld>
+    <p:spTree>
+      <p:nvGrpSpPr>
+        <p:cNvPr id="1" name=""/>
+        <p:cNvGrpSpPr/>
+        <p:nvPr/>
+      </p:nvGrpSpPr>
+      <p:grpSpPr>
+        <a:xfrm>
+          <a:off x="0" y="0"/>
+          <a:ext cx="0" cy="0"/>
+          <a:chOff x="0" y="0"/>
+          <a:chExt cx="0" cy="0"/>
+        </a:xfrm>
+      </p:grpSpPr>
+      <p:sp>
+        <p:nvSpPr>
+          <p:cNvPr id="4" name="Date Placeholder 3"/>
+          <p:cNvSpPr>
+            <a:spLocks noGrp="1"/>
+          </p:cNvSpPr>
+          <p:nvPr>
+            <p:ph type="dt" sz="half" idx="10"/>
+          </p:nvPr>
+        </p:nvSpPr>
+        <p:spPr/>
+        <p:txBody>
+          <a:bodyPr/>
+          <a:lstStyle/>
+          <a:p>
+            <a:fld id="{2F3F00CD-ECDA-4A1E-A45D-7D97DD615106}" type="datetime1">
+              <a:rPr lang="en-US" smtClean="0"/>
+              <a:t>4/7/2021</a:t>
+            </a:fld>
+            <a:endParaRPr lang="en-US" dirty="0"/>
+          </a:p>
+        </p:txBody>
+      </p:sp>
+      <p:sp>
+        <p:nvSpPr>
+          <p:cNvPr id="5" name="Footer Placeholder 4"/>
+          <p:cNvSpPr>
+            <a:spLocks noGrp="1"/>
+          </p:cNvSpPr>
+          <p:nvPr>
+            <p:ph type="ftr" sz="quarter" idx="11"/>
+          </p:nvPr>
+        </p:nvSpPr>
+        <p:spPr/>
+        <p:txBody>
+          <a:bodyPr/>
+          <a:lstStyle/>
+          <a:p>
+            <a:r>
+              <a:rPr lang="en-US" smtClean="0"/>
+              <a:t>Khoa Công Nghệ Thông Tin Đại học Hải Phòng</a:t>
+            </a:r>
+            <a:endParaRPr lang="en-US" dirty="0"/>
+          </a:p>
+        </p:txBody>
+      </p:sp>
+      <p:sp>
+        <p:nvSpPr>
+          <p:cNvPr id="6" name="Slide Number Placeholder 5"/>
+          <p:cNvSpPr>
+            <a:spLocks noGrp="1"/>
+          </p:cNvSpPr>
+          <p:nvPr>
+            <p:ph type="sldNum" sz="quarter" idx="12"/>
+          </p:nvPr>
+        </p:nvSpPr>
+        <p:spPr/>
+        <p:txBody>
+          <a:bodyPr/>
+          <a:lstStyle/>
+          <a:p>
+            <a:fld id="{69E57DC2-970A-4B3E-BB1C-7A09969E49DF}" type="slidenum">
+              <a:rPr lang="en-US" smtClean="0"/>
+              <a:t>22</a:t>
             </a:fld>
             <a:endParaRPr lang="en-US" dirty="0"/>
           </a:p>
@@ -11699,7 +12531,7 @@
           <a:p>
             <a:fld id="{BB067684-8F79-4CB5-80C8-B253FFFDCC82}" type="datetime1">
               <a:rPr lang="en-US" smtClean="0"/>
-              <a:t>1/9/2021</a:t>
+              <a:t>4/7/2021</a:t>
             </a:fld>
             <a:endParaRPr lang="en-US" dirty="0"/>
           </a:p>
@@ -12032,7 +12864,7 @@
           <a:p>
             <a:fld id="{D1518D36-063E-4E13-B9F6-2E7AB402C21B}" type="datetime1">
               <a:rPr lang="en-US" smtClean="0"/>
-              <a:t>1/9/2021</a:t>
+              <a:t>4/7/2021</a:t>
             </a:fld>
             <a:endParaRPr lang="en-US" dirty="0"/>
           </a:p>
@@ -12317,7 +13149,7 @@
           <a:p>
             <a:fld id="{9915BCA4-7C0A-4BC8-90D1-CF08CF723E0F}" type="datetime1">
               <a:rPr lang="en-US" smtClean="0"/>
-              <a:t>1/9/2021</a:t>
+              <a:t>4/7/2021</a:t>
             </a:fld>
             <a:endParaRPr lang="en-US" dirty="0"/>
           </a:p>
@@ -12754,7 +13586,7 @@
           <a:p>
             <a:fld id="{27043744-838D-46E8-8BB5-46B43521DB3D}" type="datetime1">
               <a:rPr lang="en-US" smtClean="0"/>
-              <a:t>1/9/2021</a:t>
+              <a:t>4/7/2021</a:t>
             </a:fld>
             <a:endParaRPr lang="en-US" dirty="0"/>
           </a:p>
@@ -13149,7 +13981,7 @@
           <a:p>
             <a:fld id="{EC869B4B-C91C-4345-BC5D-10248FCBD29F}" type="datetime1">
               <a:rPr lang="en-US" smtClean="0"/>
-              <a:t>1/9/2021</a:t>
+              <a:t>4/7/2021</a:t>
             </a:fld>
             <a:endParaRPr lang="en-US" dirty="0"/>
           </a:p>
@@ -14535,7 +15367,7 @@
           <a:p>
             <a:fld id="{E3EDAE7E-E2BC-4D96-BA00-A5619712128E}" type="datetime1">
               <a:rPr lang="en-US" smtClean="0"/>
-              <a:t>1/9/2021</a:t>
+              <a:t>4/7/2021</a:t>
             </a:fld>
             <a:endParaRPr lang="en-US" dirty="0"/>
           </a:p>
@@ -14991,7 +15823,7 @@
           <a:p>
             <a:fld id="{F3C2845E-B79C-4EFC-8F63-C7E3FD825325}" type="datetime1">
               <a:rPr lang="en-US" smtClean="0"/>
-              <a:t>1/9/2021</a:t>
+              <a:t>4/7/2021</a:t>
             </a:fld>
             <a:endParaRPr lang="en-US" dirty="0"/>
           </a:p>
